--- a/dsp-poster-landscape.pptx
+++ b/dsp-poster-landscape.pptx
@@ -3386,11 +3386,7 @@
             <a:pPr algn="l"/>
             <a:r>
               <a:rPr lang="en-GB" sz="3300" b="1" dirty="0" smtClean="0"/>
-              <a:t>Research</a:t>
-            </a:r>
-            <a:r>
-              <a:rPr lang="en-GB" sz="3300" b="1" dirty="0" smtClean="0"/>
-              <a:t>:</a:t>
+              <a:t>Research:</a:t>
             </a:r>
             <a:br>
               <a:rPr lang="en-GB" sz="3300" b="1" dirty="0" smtClean="0"/>
@@ -3838,8 +3834,8 @@
         </p:nvSpPr>
         <p:spPr>
           <a:xfrm>
-            <a:off x="15471888" y="11850583"/>
-            <a:ext cx="5144450" cy="523220"/>
+            <a:off x="17264749" y="11447821"/>
+            <a:ext cx="2666822" cy="954107"/>
           </a:xfrm>
           <a:prstGeom prst="rect">
             <a:avLst/>
@@ -4480,7 +4476,7 @@
         <p:spPr>
           <a:xfrm>
             <a:off x="10372806" y="11727534"/>
-            <a:ext cx="6120881" cy="9058275"/>
+            <a:ext cx="6007719" cy="9058275"/>
           </a:xfrm>
           <a:prstGeom prst="rect">
             <a:avLst/>
@@ -4489,7 +4485,7 @@
       </p:pic>
       <p:pic>
         <p:nvPicPr>
-          <p:cNvPr id="3" name="Picture 2"/>
+          <p:cNvPr id="4" name="Picture 3"/>
           <p:cNvPicPr>
             <a:picLocks noChangeAspect="1"/>
           </p:cNvPicPr>
@@ -4509,8 +4505,8 @@
         </p:blipFill>
         <p:spPr>
           <a:xfrm>
-            <a:off x="16862046" y="12697544"/>
-            <a:ext cx="3238952" cy="6639852"/>
+            <a:off x="16861571" y="12496852"/>
+            <a:ext cx="3473178" cy="6722795"/>
           </a:xfrm>
           <a:prstGeom prst="rect">
             <a:avLst/>

--- a/dsp-poster-landscape.pptx
+++ b/dsp-poster-landscape.pptx
@@ -4271,36 +4271,6 @@
           </a:fontRef>
         </p:style>
       </p:cxnSp>
-      <p:pic>
-        <p:nvPicPr>
-          <p:cNvPr id="22" name="Picture 21">
-            <a:extLst>
-              <a:ext uri="{FF2B5EF4-FFF2-40B4-BE49-F238E27FC236}">
-                <a16:creationId xmlns:a16="http://schemas.microsoft.com/office/drawing/2014/main" id="{3240336A-E74F-49A9-86DC-8EF5CEE144E9}"/>
-              </a:ext>
-            </a:extLst>
-          </p:cNvPr>
-          <p:cNvPicPr>
-            <a:picLocks noChangeAspect="1"/>
-          </p:cNvPicPr>
-          <p:nvPr/>
-        </p:nvPicPr>
-        <p:blipFill>
-          <a:blip r:embed="rId3"/>
-          <a:stretch>
-            <a:fillRect/>
-          </a:stretch>
-        </p:blipFill>
-        <p:spPr>
-          <a:xfrm>
-            <a:off x="27239125" y="280073"/>
-            <a:ext cx="1867161" cy="1876687"/>
-          </a:xfrm>
-          <a:prstGeom prst="rect">
-            <a:avLst/>
-          </a:prstGeom>
-        </p:spPr>
-      </p:pic>
       <p:sp>
         <p:nvSpPr>
           <p:cNvPr id="24" name="Title 1">
@@ -4350,7 +4320,15 @@
           <a:p>
             <a:r>
               <a:rPr lang="en-GB" sz="2400" dirty="0"/>
-              <a:t>A QR Code link to your video submission</a:t>
+              <a:t>A QR Code link </a:t>
+            </a:r>
+            <a:r>
+              <a:rPr lang="en-GB" sz="2400" dirty="0" smtClean="0"/>
+              <a:t>to </a:t>
+            </a:r>
+            <a:r>
+              <a:rPr lang="en-GB" sz="2400" dirty="0"/>
+              <a:t>video submission</a:t>
             </a:r>
           </a:p>
         </p:txBody>
@@ -4462,7 +4440,7 @@
           <p:nvPr/>
         </p:nvPicPr>
         <p:blipFill>
-          <a:blip r:embed="rId4">
+          <a:blip r:embed="rId3">
             <a:extLst>
               <a:ext uri="{28A0092B-C50C-407E-A947-70E740481C1C}">
                 <a14:useLocalDpi xmlns:a14="http://schemas.microsoft.com/office/drawing/2010/main" val="0"/>
@@ -4492,7 +4470,7 @@
           <p:nvPr/>
         </p:nvPicPr>
         <p:blipFill>
-          <a:blip r:embed="rId5">
+          <a:blip r:embed="rId4">
             <a:extLst>
               <a:ext uri="{28A0092B-C50C-407E-A947-70E740481C1C}">
                 <a14:useLocalDpi xmlns:a14="http://schemas.microsoft.com/office/drawing/2010/main" val="0"/>
@@ -4513,6 +4491,36 @@
           </a:prstGeom>
         </p:spPr>
       </p:pic>
+      <p:pic>
+        <p:nvPicPr>
+          <p:cNvPr id="3" name="Picture 2"/>
+          <p:cNvPicPr>
+            <a:picLocks noChangeAspect="1"/>
+          </p:cNvPicPr>
+          <p:nvPr/>
+        </p:nvPicPr>
+        <p:blipFill>
+          <a:blip r:embed="rId5">
+            <a:extLst>
+              <a:ext uri="{28A0092B-C50C-407E-A947-70E740481C1C}">
+                <a14:useLocalDpi xmlns:a14="http://schemas.microsoft.com/office/drawing/2010/main" val="0"/>
+              </a:ext>
+            </a:extLst>
+          </a:blip>
+          <a:stretch>
+            <a:fillRect/>
+          </a:stretch>
+        </p:blipFill>
+        <p:spPr>
+          <a:xfrm>
+            <a:off x="27324862" y="417138"/>
+            <a:ext cx="1781424" cy="1790950"/>
+          </a:xfrm>
+          <a:prstGeom prst="rect">
+            <a:avLst/>
+          </a:prstGeom>
+        </p:spPr>
+      </p:pic>
     </p:spTree>
     <p:extLst>
       <p:ext uri="{BB962C8B-B14F-4D97-AF65-F5344CB8AC3E}">
@@ -4523,6 +4531,13 @@
   <p:clrMapOvr>
     <a:masterClrMapping/>
   </p:clrMapOvr>
+  <p:timing>
+    <p:tnLst>
+      <p:par>
+        <p:cTn id="1" dur="indefinite" restart="never" nodeType="tmRoot"/>
+      </p:par>
+    </p:tnLst>
+  </p:timing>
 </p:sld>
 </file>
 

--- a/dsp-poster-landscape.pptx
+++ b/dsp-poster-landscape.pptx
@@ -4121,8 +4121,13 @@
             </a:r>
             <a:r>
               <a:rPr lang="en-US" sz="2200" dirty="0"/>
-              <a:t>, A., et al. (2020) Retrieval-augmented generation for knowledge-intensive NLP tasks. Advances in Neural Information Processing Systems [online]. 33, pp. 9459–9474. Available from: https://papers.nips.cc/paper/2020/hash/6b493230205f780e1bc26945df7481e-paper.pdf [Accessed 24 November 2023].</a:t>
-            </a:r>
+              <a:t>, A., et al. (2020) Retrieval-augmented generation for knowledge-intensive NLP tasks. Advances in Neural Information Processing Systems [online]. 33, pp. 9459–9474. Available from: https://</a:t>
+            </a:r>
+            <a:r>
+              <a:rPr lang="en-US" sz="2200" dirty="0" smtClean="0"/>
+              <a:t>papers.nips.cc/paper/2020/hash/6b493230205f780e1bc26945df7481e-paper.pdf.</a:t>
+            </a:r>
+            <a:endParaRPr lang="en-US" sz="2200" dirty="0"/>
           </a:p>
           <a:p>
             <a:pPr algn="l"/>
@@ -4175,7 +4180,23 @@
             </a:r>
             <a:r>
               <a:rPr lang="en-US" sz="2200" dirty="0"/>
-              <a:t>. Frontiers of Information Technology &amp; Electronic Engineering [online]. 19 (1), pp. 10–26. Available from: https://doi.org/10.1631/FITEE.1700826 [Accessed 24 November 2023].</a:t>
+              <a:t>. Frontiers of Information Technology &amp; Electronic Engineering [online]. 19 (1), pp. 10–26. Available from: </a:t>
+            </a:r>
+            <a:r>
+              <a:rPr lang="en-US" sz="2200" dirty="0">
+                <a:hlinkClick r:id="rId3"/>
+              </a:rPr>
+              <a:t>https://</a:t>
+            </a:r>
+            <a:r>
+              <a:rPr lang="en-US" sz="2200" dirty="0" smtClean="0">
+                <a:hlinkClick r:id="rId3"/>
+              </a:rPr>
+              <a:t>doi.org/10.1631/FITEE.1700826</a:t>
+            </a:r>
+            <a:r>
+              <a:rPr lang="en-US" sz="2200" dirty="0" smtClean="0"/>
+              <a:t>.</a:t>
             </a:r>
           </a:p>
           <a:p>
@@ -4186,11 +4207,12 @@
             <a:pPr algn="l"/>
             <a:r>
               <a:rPr lang="en-US" sz="2200" dirty="0"/>
-              <a:t>Wang, Y., Zhang, Y., Liu, Y., Li, C. and Song, J. (2022) Task-oriented dialogue systems in customer service: A survey. ACM Computing Surveys [online]. 55 (4), pp. 1–37. Available from: https://doi.org/10.1145/3485133 [Accessed 28 March 2025].</a:t>
-            </a:r>
-          </a:p>
-          <a:p>
-            <a:pPr algn="l"/>
+              <a:t>Wang, Y., Zhang, Y., Liu, Y., Li, C. and Song, J. (2022) Task-oriented dialogue systems in customer service: A survey. ACM Computing Surveys [online]. 55 (4), pp. 1–37. Available from: https://</a:t>
+            </a:r>
+            <a:r>
+              <a:rPr lang="en-US" sz="2200" dirty="0" smtClean="0"/>
+              <a:t>doi.org/10.1145/3485133.</a:t>
+            </a:r>
             <a:endParaRPr lang="en-GB" sz="3000" dirty="0"/>
           </a:p>
         </p:txBody>
@@ -4440,7 +4462,7 @@
           <p:nvPr/>
         </p:nvPicPr>
         <p:blipFill>
-          <a:blip r:embed="rId3">
+          <a:blip r:embed="rId4">
             <a:extLst>
               <a:ext uri="{28A0092B-C50C-407E-A947-70E740481C1C}">
                 <a14:useLocalDpi xmlns:a14="http://schemas.microsoft.com/office/drawing/2010/main" val="0"/>
@@ -4470,7 +4492,7 @@
           <p:nvPr/>
         </p:nvPicPr>
         <p:blipFill>
-          <a:blip r:embed="rId4">
+          <a:blip r:embed="rId5">
             <a:extLst>
               <a:ext uri="{28A0092B-C50C-407E-A947-70E740481C1C}">
                 <a14:useLocalDpi xmlns:a14="http://schemas.microsoft.com/office/drawing/2010/main" val="0"/>
@@ -4500,7 +4522,7 @@
           <p:nvPr/>
         </p:nvPicPr>
         <p:blipFill>
-          <a:blip r:embed="rId5">
+          <a:blip r:embed="rId6">
             <a:extLst>
               <a:ext uri="{28A0092B-C50C-407E-A947-70E740481C1C}">
                 <a14:useLocalDpi xmlns:a14="http://schemas.microsoft.com/office/drawing/2010/main" val="0"/>
